--- a/ndpOdev.pptx
+++ b/ndpOdev.pptx
@@ -9,6 +9,7 @@
     <p:sldId id="257" r:id="rId3"/>
     <p:sldId id="258" r:id="rId4"/>
     <p:sldId id="259" r:id="rId5"/>
+    <p:sldId id="260" r:id="rId6"/>
   </p:sldIdLst>
   <p:sldSz cx="12192000" cy="6858000"/>
   <p:notesSz cx="6858000" cy="9144000"/>
@@ -107,6 +108,11 @@
       </a:defRPr>
     </a:lvl9pPr>
   </p:defaultTextStyle>
+  <p:extLst>
+    <p:ext uri="{EFAFB233-063F-42B5-8137-9DF3F51BA10A}">
+      <p15:sldGuideLst xmlns:p15="http://schemas.microsoft.com/office/powerpoint/2012/main"/>
+    </p:ext>
+  </p:extLst>
 </p:presentation>
 </file>
 
@@ -257,7 +263,7 @@
           <a:p>
             <a:fld id="{15322174-72E9-4CA3-81A2-E0EFD1927849}" type="datetimeFigureOut">
               <a:rPr lang="tr-TR" smtClean="0"/>
-              <a:t>20.11.2025</a:t>
+              <a:t>21.11.2025</a:t>
             </a:fld>
             <a:endParaRPr lang="tr-TR"/>
           </a:p>
@@ -455,7 +461,7 @@
           <a:p>
             <a:fld id="{15322174-72E9-4CA3-81A2-E0EFD1927849}" type="datetimeFigureOut">
               <a:rPr lang="tr-TR" smtClean="0"/>
-              <a:t>20.11.2025</a:t>
+              <a:t>21.11.2025</a:t>
             </a:fld>
             <a:endParaRPr lang="tr-TR"/>
           </a:p>
@@ -663,7 +669,7 @@
           <a:p>
             <a:fld id="{15322174-72E9-4CA3-81A2-E0EFD1927849}" type="datetimeFigureOut">
               <a:rPr lang="tr-TR" smtClean="0"/>
-              <a:t>20.11.2025</a:t>
+              <a:t>21.11.2025</a:t>
             </a:fld>
             <a:endParaRPr lang="tr-TR"/>
           </a:p>
@@ -861,7 +867,7 @@
           <a:p>
             <a:fld id="{15322174-72E9-4CA3-81A2-E0EFD1927849}" type="datetimeFigureOut">
               <a:rPr lang="tr-TR" smtClean="0"/>
-              <a:t>20.11.2025</a:t>
+              <a:t>21.11.2025</a:t>
             </a:fld>
             <a:endParaRPr lang="tr-TR"/>
           </a:p>
@@ -1136,7 +1142,7 @@
           <a:p>
             <a:fld id="{15322174-72E9-4CA3-81A2-E0EFD1927849}" type="datetimeFigureOut">
               <a:rPr lang="tr-TR" smtClean="0"/>
-              <a:t>20.11.2025</a:t>
+              <a:t>21.11.2025</a:t>
             </a:fld>
             <a:endParaRPr lang="tr-TR"/>
           </a:p>
@@ -1401,7 +1407,7 @@
           <a:p>
             <a:fld id="{15322174-72E9-4CA3-81A2-E0EFD1927849}" type="datetimeFigureOut">
               <a:rPr lang="tr-TR" smtClean="0"/>
-              <a:t>20.11.2025</a:t>
+              <a:t>21.11.2025</a:t>
             </a:fld>
             <a:endParaRPr lang="tr-TR"/>
           </a:p>
@@ -1813,7 +1819,7 @@
           <a:p>
             <a:fld id="{15322174-72E9-4CA3-81A2-E0EFD1927849}" type="datetimeFigureOut">
               <a:rPr lang="tr-TR" smtClean="0"/>
-              <a:t>20.11.2025</a:t>
+              <a:t>21.11.2025</a:t>
             </a:fld>
             <a:endParaRPr lang="tr-TR"/>
           </a:p>
@@ -1954,7 +1960,7 @@
           <a:p>
             <a:fld id="{15322174-72E9-4CA3-81A2-E0EFD1927849}" type="datetimeFigureOut">
               <a:rPr lang="tr-TR" smtClean="0"/>
-              <a:t>20.11.2025</a:t>
+              <a:t>21.11.2025</a:t>
             </a:fld>
             <a:endParaRPr lang="tr-TR"/>
           </a:p>
@@ -2067,7 +2073,7 @@
           <a:p>
             <a:fld id="{15322174-72E9-4CA3-81A2-E0EFD1927849}" type="datetimeFigureOut">
               <a:rPr lang="tr-TR" smtClean="0"/>
-              <a:t>20.11.2025</a:t>
+              <a:t>21.11.2025</a:t>
             </a:fld>
             <a:endParaRPr lang="tr-TR"/>
           </a:p>
@@ -2378,7 +2384,7 @@
           <a:p>
             <a:fld id="{15322174-72E9-4CA3-81A2-E0EFD1927849}" type="datetimeFigureOut">
               <a:rPr lang="tr-TR" smtClean="0"/>
-              <a:t>20.11.2025</a:t>
+              <a:t>21.11.2025</a:t>
             </a:fld>
             <a:endParaRPr lang="tr-TR"/>
           </a:p>
@@ -2666,7 +2672,7 @@
           <a:p>
             <a:fld id="{15322174-72E9-4CA3-81A2-E0EFD1927849}" type="datetimeFigureOut">
               <a:rPr lang="tr-TR" smtClean="0"/>
-              <a:t>20.11.2025</a:t>
+              <a:t>21.11.2025</a:t>
             </a:fld>
             <a:endParaRPr lang="tr-TR"/>
           </a:p>
@@ -2907,7 +2913,7 @@
           <a:p>
             <a:fld id="{15322174-72E9-4CA3-81A2-E0EFD1927849}" type="datetimeFigureOut">
               <a:rPr lang="tr-TR" smtClean="0"/>
-              <a:t>20.11.2025</a:t>
+              <a:t>21.11.2025</a:t>
             </a:fld>
             <a:endParaRPr lang="tr-TR"/>
           </a:p>
@@ -3949,6 +3955,168 @@
 </p:sld>
 </file>
 
+<file path=ppt/slides/slide5.xml><?xml version="1.0" encoding="utf-8"?>
+<p:sld xmlns:a="http://schemas.openxmlformats.org/drawingml/2006/main" xmlns:r="http://schemas.openxmlformats.org/officeDocument/2006/relationships" xmlns:p="http://schemas.openxmlformats.org/presentationml/2006/main">
+  <p:cSld>
+    <p:spTree>
+      <p:nvGrpSpPr>
+        <p:cNvPr id="1" name="">
+          <a:extLst>
+            <a:ext uri="{FF2B5EF4-FFF2-40B4-BE49-F238E27FC236}">
+              <a16:creationId xmlns:a16="http://schemas.microsoft.com/office/drawing/2014/main" id="{B8884039-AC6E-C0DA-D21C-48BF8555D489}"/>
+            </a:ext>
+          </a:extLst>
+        </p:cNvPr>
+        <p:cNvGrpSpPr/>
+        <p:nvPr/>
+      </p:nvGrpSpPr>
+      <p:grpSpPr>
+        <a:xfrm>
+          <a:off x="0" y="0"/>
+          <a:ext cx="0" cy="0"/>
+          <a:chOff x="0" y="0"/>
+          <a:chExt cx="0" cy="0"/>
+        </a:xfrm>
+      </p:grpSpPr>
+      <p:sp>
+        <p:nvSpPr>
+          <p:cNvPr id="2" name="Başlık 1">
+            <a:extLst>
+              <a:ext uri="{FF2B5EF4-FFF2-40B4-BE49-F238E27FC236}">
+                <a16:creationId xmlns:a16="http://schemas.microsoft.com/office/drawing/2014/main" id="{306048E9-06A4-90B9-2381-5C4E835083B5}"/>
+              </a:ext>
+            </a:extLst>
+          </p:cNvPr>
+          <p:cNvSpPr>
+            <a:spLocks noGrp="1"/>
+          </p:cNvSpPr>
+          <p:nvPr>
+            <p:ph type="ctrTitle"/>
+          </p:nvPr>
+        </p:nvSpPr>
+        <p:spPr/>
+        <p:txBody>
+          <a:bodyPr/>
+          <a:lstStyle/>
+          <a:p>
+            <a:endParaRPr lang="tr-TR"/>
+          </a:p>
+        </p:txBody>
+      </p:sp>
+      <p:sp>
+        <p:nvSpPr>
+          <p:cNvPr id="3" name="Alt Başlık 2">
+            <a:extLst>
+              <a:ext uri="{FF2B5EF4-FFF2-40B4-BE49-F238E27FC236}">
+                <a16:creationId xmlns:a16="http://schemas.microsoft.com/office/drawing/2014/main" id="{B45EF107-F12F-CC8C-E61D-ECEF0EBD9979}"/>
+              </a:ext>
+            </a:extLst>
+          </p:cNvPr>
+          <p:cNvSpPr>
+            <a:spLocks noGrp="1"/>
+          </p:cNvSpPr>
+          <p:nvPr>
+            <p:ph type="subTitle" idx="1"/>
+          </p:nvPr>
+        </p:nvSpPr>
+        <p:spPr/>
+        <p:txBody>
+          <a:bodyPr/>
+          <a:lstStyle/>
+          <a:p>
+            <a:endParaRPr lang="tr-TR"/>
+          </a:p>
+        </p:txBody>
+      </p:sp>
+      <p:sp>
+        <p:nvSpPr>
+          <p:cNvPr id="5" name="Metin kutusu 4">
+            <a:extLst>
+              <a:ext uri="{FF2B5EF4-FFF2-40B4-BE49-F238E27FC236}">
+                <a16:creationId xmlns:a16="http://schemas.microsoft.com/office/drawing/2014/main" id="{48AAC9F4-2E8A-C58D-DB49-8C18D560F638}"/>
+              </a:ext>
+            </a:extLst>
+          </p:cNvPr>
+          <p:cNvSpPr txBox="1"/>
+          <p:nvPr/>
+        </p:nvSpPr>
+        <p:spPr>
+          <a:xfrm>
+            <a:off x="3048000" y="3235379"/>
+            <a:ext cx="6096000" cy="813300"/>
+          </a:xfrm>
+          <a:prstGeom prst="rect">
+            <a:avLst/>
+          </a:prstGeom>
+          <a:noFill/>
+        </p:spPr>
+        <p:txBody>
+          <a:bodyPr wrap="square">
+            <a:spAutoFit/>
+          </a:bodyPr>
+          <a:lstStyle/>
+          <a:p>
+            <a:pPr>
+              <a:lnSpc>
+                <a:spcPct val="115000"/>
+              </a:lnSpc>
+              <a:spcAft>
+                <a:spcPts val="800"/>
+              </a:spcAft>
+            </a:pPr>
+            <a:r>
+              <a:rPr lang="tr-TR" dirty="0" err="1"/>
+              <a:t>Nesneeye</a:t>
+            </a:r>
+            <a:r>
+              <a:rPr lang="tr-TR" dirty="0"/>
+              <a:t> dayalı programlama</a:t>
+            </a:r>
+          </a:p>
+          <a:p>
+            <a:pPr>
+              <a:lnSpc>
+                <a:spcPct val="115000"/>
+              </a:lnSpc>
+              <a:spcAft>
+                <a:spcPts val="800"/>
+              </a:spcAft>
+              <a:buNone/>
+            </a:pPr>
+            <a:r>
+              <a:rPr lang="tr-TR" sz="1800" kern="100" dirty="0" err="1">
+                <a:effectLst/>
+                <a:latin typeface="Calibri" panose="020F0502020204030204" pitchFamily="34" charset="0"/>
+                <a:ea typeface="Calibri" panose="020F0502020204030204" pitchFamily="34" charset="0"/>
+                <a:cs typeface="Times New Roman" panose="02020603050405020304" pitchFamily="18" charset="0"/>
+              </a:rPr>
+              <a:t>Nesneeye</a:t>
+            </a:r>
+            <a:r>
+              <a:rPr lang="tr-TR" sz="1800" kern="100" dirty="0">
+                <a:effectLst/>
+                <a:latin typeface="Calibri" panose="020F0502020204030204" pitchFamily="34" charset="0"/>
+                <a:ea typeface="Calibri" panose="020F0502020204030204" pitchFamily="34" charset="0"/>
+                <a:cs typeface="Times New Roman" panose="02020603050405020304" pitchFamily="18" charset="0"/>
+              </a:rPr>
+              <a:t> dayalı programlama</a:t>
+            </a:r>
+          </a:p>
+        </p:txBody>
+      </p:sp>
+    </p:spTree>
+    <p:extLst>
+      <p:ext uri="{BB962C8B-B14F-4D97-AF65-F5344CB8AC3E}">
+        <p14:creationId xmlns:p14="http://schemas.microsoft.com/office/powerpoint/2010/main" val="447393087"/>
+      </p:ext>
+    </p:extLst>
+  </p:cSld>
+  <p:clrMapOvr>
+    <a:masterClrMapping/>
+  </p:clrMapOvr>
+</p:sld>
+</file>
+
 <file path=ppt/theme/theme1.xml><?xml version="1.0" encoding="utf-8"?>
 <a:theme xmlns:a="http://schemas.openxmlformats.org/drawingml/2006/main" name="Office Teması">
   <a:themeElements>

--- a/ndpOdev.pptx
+++ b/ndpOdev.pptx
@@ -263,7 +263,7 @@
           <a:p>
             <a:fld id="{15322174-72E9-4CA3-81A2-E0EFD1927849}" type="datetimeFigureOut">
               <a:rPr lang="tr-TR" smtClean="0"/>
-              <a:t>21.11.2025</a:t>
+              <a:t>22.11.2025</a:t>
             </a:fld>
             <a:endParaRPr lang="tr-TR"/>
           </a:p>
@@ -461,7 +461,7 @@
           <a:p>
             <a:fld id="{15322174-72E9-4CA3-81A2-E0EFD1927849}" type="datetimeFigureOut">
               <a:rPr lang="tr-TR" smtClean="0"/>
-              <a:t>21.11.2025</a:t>
+              <a:t>22.11.2025</a:t>
             </a:fld>
             <a:endParaRPr lang="tr-TR"/>
           </a:p>
@@ -669,7 +669,7 @@
           <a:p>
             <a:fld id="{15322174-72E9-4CA3-81A2-E0EFD1927849}" type="datetimeFigureOut">
               <a:rPr lang="tr-TR" smtClean="0"/>
-              <a:t>21.11.2025</a:t>
+              <a:t>22.11.2025</a:t>
             </a:fld>
             <a:endParaRPr lang="tr-TR"/>
           </a:p>
@@ -867,7 +867,7 @@
           <a:p>
             <a:fld id="{15322174-72E9-4CA3-81A2-E0EFD1927849}" type="datetimeFigureOut">
               <a:rPr lang="tr-TR" smtClean="0"/>
-              <a:t>21.11.2025</a:t>
+              <a:t>22.11.2025</a:t>
             </a:fld>
             <a:endParaRPr lang="tr-TR"/>
           </a:p>
@@ -1142,7 +1142,7 @@
           <a:p>
             <a:fld id="{15322174-72E9-4CA3-81A2-E0EFD1927849}" type="datetimeFigureOut">
               <a:rPr lang="tr-TR" smtClean="0"/>
-              <a:t>21.11.2025</a:t>
+              <a:t>22.11.2025</a:t>
             </a:fld>
             <a:endParaRPr lang="tr-TR"/>
           </a:p>
@@ -1407,7 +1407,7 @@
           <a:p>
             <a:fld id="{15322174-72E9-4CA3-81A2-E0EFD1927849}" type="datetimeFigureOut">
               <a:rPr lang="tr-TR" smtClean="0"/>
-              <a:t>21.11.2025</a:t>
+              <a:t>22.11.2025</a:t>
             </a:fld>
             <a:endParaRPr lang="tr-TR"/>
           </a:p>
@@ -1819,7 +1819,7 @@
           <a:p>
             <a:fld id="{15322174-72E9-4CA3-81A2-E0EFD1927849}" type="datetimeFigureOut">
               <a:rPr lang="tr-TR" smtClean="0"/>
-              <a:t>21.11.2025</a:t>
+              <a:t>22.11.2025</a:t>
             </a:fld>
             <a:endParaRPr lang="tr-TR"/>
           </a:p>
@@ -1960,7 +1960,7 @@
           <a:p>
             <a:fld id="{15322174-72E9-4CA3-81A2-E0EFD1927849}" type="datetimeFigureOut">
               <a:rPr lang="tr-TR" smtClean="0"/>
-              <a:t>21.11.2025</a:t>
+              <a:t>22.11.2025</a:t>
             </a:fld>
             <a:endParaRPr lang="tr-TR"/>
           </a:p>
@@ -2073,7 +2073,7 @@
           <a:p>
             <a:fld id="{15322174-72E9-4CA3-81A2-E0EFD1927849}" type="datetimeFigureOut">
               <a:rPr lang="tr-TR" smtClean="0"/>
-              <a:t>21.11.2025</a:t>
+              <a:t>22.11.2025</a:t>
             </a:fld>
             <a:endParaRPr lang="tr-TR"/>
           </a:p>
@@ -2384,7 +2384,7 @@
           <a:p>
             <a:fld id="{15322174-72E9-4CA3-81A2-E0EFD1927849}" type="datetimeFigureOut">
               <a:rPr lang="tr-TR" smtClean="0"/>
-              <a:t>21.11.2025</a:t>
+              <a:t>22.11.2025</a:t>
             </a:fld>
             <a:endParaRPr lang="tr-TR"/>
           </a:p>
@@ -2672,7 +2672,7 @@
           <a:p>
             <a:fld id="{15322174-72E9-4CA3-81A2-E0EFD1927849}" type="datetimeFigureOut">
               <a:rPr lang="tr-TR" smtClean="0"/>
-              <a:t>21.11.2025</a:t>
+              <a:t>22.11.2025</a:t>
             </a:fld>
             <a:endParaRPr lang="tr-TR"/>
           </a:p>
@@ -2913,7 +2913,7 @@
           <a:p>
             <a:fld id="{15322174-72E9-4CA3-81A2-E0EFD1927849}" type="datetimeFigureOut">
               <a:rPr lang="tr-TR" smtClean="0"/>
-              <a:t>21.11.2025</a:t>
+              <a:t>22.11.2025</a:t>
             </a:fld>
             <a:endParaRPr lang="tr-TR"/>
           </a:p>
@@ -3376,6 +3376,39 @@
           <a:bodyPr/>
           <a:lstStyle/>
           <a:p>
+            <a:r>
+              <a:rPr lang="tr-TR" dirty="0"/>
+              <a:t>git </a:t>
+            </a:r>
+            <a:r>
+              <a:rPr lang="tr-TR" dirty="0" err="1"/>
+              <a:t>push</a:t>
+            </a:r>
+            <a:endParaRPr lang="tr-TR" dirty="0"/>
+          </a:p>
+          <a:p>
+            <a:r>
+              <a:rPr lang="tr-TR" dirty="0"/>
+              <a:t>git </a:t>
+            </a:r>
+            <a:r>
+              <a:rPr lang="tr-TR" dirty="0" err="1"/>
+              <a:t>push</a:t>
+            </a:r>
+            <a:endParaRPr lang="tr-TR" dirty="0"/>
+          </a:p>
+          <a:p>
+            <a:r>
+              <a:rPr lang="tr-TR" dirty="0"/>
+              <a:t>git </a:t>
+            </a:r>
+            <a:r>
+              <a:rPr lang="tr-TR" dirty="0" err="1"/>
+              <a:t>push</a:t>
+            </a:r>
+            <a:endParaRPr lang="tr-TR"/>
+          </a:p>
+          <a:p>
             <a:endParaRPr lang="tr-TR"/>
           </a:p>
         </p:txBody>
@@ -3453,6 +3486,72 @@
               </a:rPr>
               <a:t> dayalı programlama</a:t>
             </a:r>
+          </a:p>
+        </p:txBody>
+      </p:sp>
+      <p:sp>
+        <p:nvSpPr>
+          <p:cNvPr id="6" name="Metin kutusu 5">
+            <a:extLst>
+              <a:ext uri="{FF2B5EF4-FFF2-40B4-BE49-F238E27FC236}">
+                <a16:creationId xmlns:a16="http://schemas.microsoft.com/office/drawing/2014/main" id="{AFEDAF2B-7D0E-789D-2CF9-545EBE1484B8}"/>
+              </a:ext>
+            </a:extLst>
+          </p:cNvPr>
+          <p:cNvSpPr txBox="1"/>
+          <p:nvPr/>
+        </p:nvSpPr>
+        <p:spPr>
+          <a:xfrm>
+            <a:off x="3048000" y="3246792"/>
+            <a:ext cx="6096000" cy="646331"/>
+          </a:xfrm>
+          <a:prstGeom prst="rect">
+            <a:avLst/>
+          </a:prstGeom>
+          <a:noFill/>
+        </p:spPr>
+        <p:txBody>
+          <a:bodyPr wrap="square">
+            <a:spAutoFit/>
+          </a:bodyPr>
+          <a:lstStyle/>
+          <a:p>
+            <a:r>
+              <a:rPr lang="tr-TR" dirty="0"/>
+              <a:t>git </a:t>
+            </a:r>
+            <a:r>
+              <a:rPr lang="tr-TR" dirty="0" err="1"/>
+              <a:t>push</a:t>
+            </a:r>
+            <a:endParaRPr lang="tr-TR" dirty="0"/>
+          </a:p>
+          <a:p>
+            <a:r>
+              <a:rPr lang="tr-TR" sz="1800" dirty="0">
+                <a:solidFill>
+                  <a:prstClr val="black"/>
+                </a:solidFill>
+                <a:latin typeface="Lucida Console" panose="020B0609040504020204" pitchFamily="49" charset="0"/>
+              </a:rPr>
+              <a:t>git </a:t>
+            </a:r>
+            <a:r>
+              <a:rPr lang="tr-TR" sz="1800" dirty="0" err="1">
+                <a:solidFill>
+                  <a:prstClr val="black"/>
+                </a:solidFill>
+                <a:latin typeface="Lucida Console" panose="020B0609040504020204" pitchFamily="49" charset="0"/>
+              </a:rPr>
+              <a:t>push</a:t>
+            </a:r>
+            <a:endParaRPr lang="tr-TR" sz="1800" dirty="0">
+              <a:solidFill>
+                <a:prstClr val="black"/>
+              </a:solidFill>
+              <a:latin typeface="Lucida Console" panose="020B0609040504020204" pitchFamily="49" charset="0"/>
+            </a:endParaRPr>
           </a:p>
         </p:txBody>
       </p:sp>
@@ -3776,6 +3875,41 @@
                 <a:cs typeface="Times New Roman" panose="02020603050405020304" pitchFamily="18" charset="0"/>
               </a:rPr>
               <a:t> dayalı programlama</a:t>
+            </a:r>
+          </a:p>
+        </p:txBody>
+      </p:sp>
+      <p:sp>
+        <p:nvSpPr>
+          <p:cNvPr id="6" name="Metin kutusu 5">
+            <a:extLst>
+              <a:ext uri="{FF2B5EF4-FFF2-40B4-BE49-F238E27FC236}">
+                <a16:creationId xmlns:a16="http://schemas.microsoft.com/office/drawing/2014/main" id="{3EB56793-7BD0-2254-7FCD-A70F6990AD54}"/>
+              </a:ext>
+            </a:extLst>
+          </p:cNvPr>
+          <p:cNvSpPr txBox="1"/>
+          <p:nvPr/>
+        </p:nvSpPr>
+        <p:spPr>
+          <a:xfrm>
+            <a:off x="3048000" y="3235379"/>
+            <a:ext cx="6096000" cy="369332"/>
+          </a:xfrm>
+          <a:prstGeom prst="rect">
+            <a:avLst/>
+          </a:prstGeom>
+          <a:noFill/>
+        </p:spPr>
+        <p:txBody>
+          <a:bodyPr wrap="square">
+            <a:spAutoFit/>
+          </a:bodyPr>
+          <a:lstStyle/>
+          <a:p>
+            <a:r>
+              <a:rPr lang="tr-TR"/>
+              <a:t>Solid prensipleri</a:t>
             </a:r>
           </a:p>
         </p:txBody>
